--- a/reports/posterTemplate.pptx
+++ b/reports/posterTemplate.pptx
@@ -3854,7 +3854,7 @@
           <a:bodyPr wrap="none" lIns="90326" tIns="45161" rIns="90326" bIns="45161" anchor="ctr"/>
           <a:lstStyle/>
           <a:p>
-            <a:endParaRPr lang="ko-KR" altLang="en-US" sz="2198"/>
+            <a:endParaRPr lang="ko-KR" altLang="en-US" sz="2198" dirty="0"/>
           </a:p>
         </p:txBody>
       </p:sp>
@@ -4771,11 +4771,6 @@
               </a:rPr>
               <a:t>3</a:t>
             </a:r>
-            <a:endParaRPr lang="en-GB" altLang="ko-KR" sz="4387" baseline="30000" dirty="0">
-              <a:solidFill>
-                <a:srgbClr val="000000"/>
-              </a:solidFill>
-            </a:endParaRPr>
           </a:p>
           <a:p>
             <a:pPr algn="ctr">

--- a/reports/posterTemplate.pptx
+++ b/reports/posterTemplate.pptx
@@ -136,7 +136,7 @@
   </p:defaultTextStyle>
   <p:extLst>
     <p:ext uri="{EFAFB233-063F-42B5-8137-9DF3F51BA10A}">
-      <p15:sldGuideLst xmlns:p15="http://schemas.microsoft.com/office/powerpoint/2012/main">
+      <p15:sldGuideLst xmlns:p15="http://schemas.microsoft.com/office/powerpoint/2012/main" xmlns="">
         <p15:guide id="1" orient="horz" pos="13825" userDrawn="1">
           <p15:clr>
             <a:srgbClr val="A4A3A4"/>
@@ -2772,14 +2772,14 @@
             <a:noFill/>
           </a:ln>
           <a:extLst>
-            <a:ext uri="{909E8E84-426E-40DD-AFC4-6F175D3DCCD1}">
+            <a:ext uri="{909E8E84-426E-40dd-AFC4-6F175D3DCCD1}">
               <a14:hiddenFill xmlns:a14="http://schemas.microsoft.com/office/drawing/2010/main">
                 <a:solidFill>
                   <a:srgbClr val="FFFFFF"/>
                 </a:solidFill>
               </a14:hiddenFill>
             </a:ext>
-            <a:ext uri="{91240B29-F687-4F45-9708-019B960494DF}">
+            <a:ext uri="{91240B29-F687-4f45-9708-019B960494DF}">
               <a14:hiddenLine xmlns:a14="http://schemas.microsoft.com/office/drawing/2010/main" w="9525">
                 <a:solidFill>
                   <a:srgbClr val="000000"/>
@@ -2830,14 +2830,14 @@
             <a:noFill/>
           </a:ln>
           <a:extLst>
-            <a:ext uri="{909E8E84-426E-40DD-AFC4-6F175D3DCCD1}">
+            <a:ext uri="{909E8E84-426E-40dd-AFC4-6F175D3DCCD1}">
               <a14:hiddenFill xmlns:a14="http://schemas.microsoft.com/office/drawing/2010/main">
                 <a:solidFill>
                   <a:srgbClr val="FFFFFF"/>
                 </a:solidFill>
               </a14:hiddenFill>
             </a:ext>
-            <a:ext uri="{91240B29-F687-4F45-9708-019B960494DF}">
+            <a:ext uri="{91240B29-F687-4f45-9708-019B960494DF}">
               <a14:hiddenLine xmlns:a14="http://schemas.microsoft.com/office/drawing/2010/main" w="9525">
                 <a:solidFill>
                   <a:srgbClr val="000000"/>
@@ -3678,14 +3678,14 @@
             <a:noFill/>
           </a:ln>
           <a:extLst>
-            <a:ext uri="{909E8E84-426E-40DD-AFC4-6F175D3DCCD1}">
+            <a:ext uri="{909E8E84-426E-40dd-AFC4-6F175D3DCCD1}">
               <a14:hiddenFill xmlns:a14="http://schemas.microsoft.com/office/drawing/2010/main">
                 <a:solidFill>
                   <a:srgbClr val="FFFFFF"/>
                 </a:solidFill>
               </a14:hiddenFill>
             </a:ext>
-            <a:ext uri="{91240B29-F687-4F45-9708-019B960494DF}">
+            <a:ext uri="{91240B29-F687-4f45-9708-019B960494DF}">
               <a14:hiddenLine xmlns:a14="http://schemas.microsoft.com/office/drawing/2010/main" w="9525">
                 <a:solidFill>
                   <a:srgbClr val="000000"/>
@@ -3843,7 +3843,7 @@
             <a:tailEnd/>
           </a:ln>
           <a:extLst>
-            <a:ext uri="{909E8E84-426E-40DD-AFC4-6F175D3DCCD1}">
+            <a:ext uri="{909E8E84-426E-40dd-AFC4-6F175D3DCCD1}">
               <a14:hiddenFill xmlns:a14="http://schemas.microsoft.com/office/drawing/2010/main">
                 <a:noFill/>
               </a14:hiddenFill>
@@ -3854,6 +3854,10 @@
           <a:bodyPr wrap="none" lIns="90326" tIns="45161" rIns="90326" bIns="45161" anchor="ctr"/>
           <a:lstStyle/>
           <a:p>
+            <a:r>
+              <a:rPr lang="en-US" altLang="ko-KR" sz="2400" dirty="0" smtClean="0"/>
+              <a:t> </a:t>
+            </a:r>
             <a:endParaRPr lang="ko-KR" altLang="en-US" sz="2198" dirty="0"/>
           </a:p>
         </p:txBody>
@@ -3868,8 +3872,8 @@
         </p:nvSpPr>
         <p:spPr bwMode="auto">
           <a:xfrm>
-            <a:off x="1529963" y="5921515"/>
-            <a:ext cx="30414539" cy="510255"/>
+            <a:off x="1783938" y="5985011"/>
+            <a:ext cx="30414539" cy="1372029"/>
           </a:xfrm>
           <a:prstGeom prst="rect">
             <a:avLst/>
@@ -3879,14 +3883,14 @@
             <a:noFill/>
           </a:ln>
           <a:extLst>
-            <a:ext uri="{909E8E84-426E-40DD-AFC4-6F175D3DCCD1}">
+            <a:ext uri="{909E8E84-426E-40dd-AFC4-6F175D3DCCD1}">
               <a14:hiddenFill xmlns:a14="http://schemas.microsoft.com/office/drawing/2010/main">
                 <a:solidFill>
                   <a:srgbClr val="FFFFFF"/>
                 </a:solidFill>
               </a14:hiddenFill>
             </a:ext>
-            <a:ext uri="{91240B29-F687-4F45-9708-019B960494DF}">
+            <a:ext uri="{91240B29-F687-4f45-9708-019B960494DF}">
               <a14:hiddenLine xmlns:a14="http://schemas.microsoft.com/office/drawing/2010/main" w="9525">
                 <a:solidFill>
                   <a:srgbClr val="000000"/>
@@ -4012,13 +4016,34 @@
           <a:p>
             <a:pPr algn="just"/>
             <a:r>
-              <a:rPr lang="en-US" altLang="ko-KR" sz="2800" b="1" dirty="0"/>
-              <a:t>Summary:</a:t>
-            </a:r>
-            <a:r>
-              <a:rPr lang="en-US" altLang="ko-KR" sz="2800" dirty="0"/>
-              <a:t> Type your project summary here</a:t>
-            </a:r>
+              <a:rPr lang="en-US" altLang="ko-KR" sz="2800" b="1" dirty="0" smtClean="0"/>
+              <a:t>Summary: </a:t>
+            </a:r>
+            <a:r>
+              <a:rPr lang="en-US" altLang="ko-KR" sz="2800" dirty="0" smtClean="0"/>
+              <a:t>Investigate how to classify the </a:t>
+            </a:r>
+            <a:r>
+              <a:rPr lang="en-US" altLang="ko-KR" sz="2800" b="1" dirty="0" err="1" smtClean="0"/>
+              <a:t>tala</a:t>
+            </a:r>
+            <a:r>
+              <a:rPr lang="en-US" altLang="ko-KR" sz="2800" dirty="0" smtClean="0"/>
+              <a:t> of a specific composition in Carnatic Music. By employing a few deep learning techniques, we believe this coul</a:t>
+            </a:r>
+            <a:r>
+              <a:rPr lang="en-US" altLang="ko-KR" sz="2800" dirty="0" smtClean="0"/>
+              <a:t>d help students self teach compositions.</a:t>
+            </a:r>
+            <a:endParaRPr lang="en-US" altLang="ko-KR" sz="2800" dirty="0" smtClean="0"/>
+          </a:p>
+          <a:p>
+            <a:pPr algn="just"/>
+            <a:r>
+              <a:rPr lang="en-US" altLang="ko-KR" sz="2800" dirty="0" smtClean="0"/>
+              <a:t> </a:t>
+            </a:r>
+            <a:endParaRPr lang="en-US" altLang="ko-KR" sz="2800" dirty="0"/>
           </a:p>
         </p:txBody>
       </p:sp>
@@ -4033,7 +4058,7 @@
         <p:spPr bwMode="auto">
           <a:xfrm>
             <a:off x="1253524" y="8159900"/>
-            <a:ext cx="14574086" cy="2480281"/>
+            <a:ext cx="14574086" cy="9140615"/>
           </a:xfrm>
           <a:prstGeom prst="rect">
             <a:avLst/>
@@ -4043,14 +4068,14 @@
             <a:noFill/>
           </a:ln>
           <a:extLst>
-            <a:ext uri="{909E8E84-426E-40DD-AFC4-6F175D3DCCD1}">
+            <a:ext uri="{909E8E84-426E-40dd-AFC4-6F175D3DCCD1}">
               <a14:hiddenFill xmlns:a14="http://schemas.microsoft.com/office/drawing/2010/main">
                 <a:solidFill>
                   <a:srgbClr val="FFFFFF"/>
                 </a:solidFill>
               </a14:hiddenFill>
             </a:ext>
-            <a:ext uri="{91240B29-F687-4F45-9708-019B960494DF}">
+            <a:ext uri="{91240B29-F687-4f45-9708-019B960494DF}">
               <a14:hiddenLine xmlns:a14="http://schemas.microsoft.com/office/drawing/2010/main" w="9525">
                 <a:solidFill>
                   <a:srgbClr val="000000"/>
@@ -4208,7 +4233,99 @@
               <a:rPr lang="en-US" altLang="ko-KR" sz="3608" dirty="0" smtClean="0"/>
               <a:t> </a:t>
             </a:r>
+            <a:r>
+              <a:rPr lang="en-US" altLang="ko-KR" sz="3608" dirty="0" smtClean="0"/>
+              <a:t>As  immigration to various countries continues to rise, it is becoming harder and harder to find </a:t>
+            </a:r>
+            <a:r>
+              <a:rPr lang="en-US" altLang="ko-KR" sz="3608" dirty="0" err="1" smtClean="0"/>
+              <a:t>carnatic</a:t>
+            </a:r>
+            <a:r>
+              <a:rPr lang="en-US" altLang="ko-KR" sz="3608" dirty="0" smtClean="0"/>
+              <a:t> music teachers.</a:t>
+            </a:r>
+          </a:p>
+          <a:p>
+            <a:pPr>
+              <a:buFontTx/>
+              <a:buChar char="•"/>
+              <a:defRPr/>
+            </a:pPr>
+            <a:r>
+              <a:rPr lang="en-US" altLang="ko-KR" sz="3608" dirty="0" smtClean="0"/>
+              <a:t>Our project seeks to classify the </a:t>
+            </a:r>
+            <a:r>
+              <a:rPr lang="en-US" altLang="ko-KR" sz="3608" b="1" dirty="0" err="1" smtClean="0"/>
+              <a:t>tala</a:t>
+            </a:r>
+            <a:r>
+              <a:rPr lang="en-US" altLang="ko-KR" sz="3608" dirty="0" smtClean="0"/>
+              <a:t>, or meter of a piece. This will help beginners greatly when approaching a new song.</a:t>
+            </a:r>
+          </a:p>
+          <a:p>
+            <a:pPr>
+              <a:buFontTx/>
+              <a:buChar char="•"/>
+              <a:defRPr/>
+            </a:pPr>
+            <a:endParaRPr lang="en-US" altLang="ko-KR" sz="3608" dirty="0" smtClean="0"/>
+          </a:p>
+          <a:p>
+            <a:pPr>
+              <a:buFontTx/>
+              <a:buChar char="•"/>
+              <a:defRPr/>
+            </a:pPr>
             <a:endParaRPr lang="en-US" altLang="ko-KR" sz="3608" dirty="0"/>
+          </a:p>
+          <a:p>
+            <a:pPr>
+              <a:buFontTx/>
+              <a:buChar char="•"/>
+              <a:defRPr/>
+            </a:pPr>
+            <a:endParaRPr lang="en-US" altLang="ko-KR" sz="3608" dirty="0" smtClean="0"/>
+          </a:p>
+          <a:p>
+            <a:pPr>
+              <a:buFontTx/>
+              <a:buChar char="•"/>
+              <a:defRPr/>
+            </a:pPr>
+            <a:endParaRPr lang="en-US" altLang="ko-KR" sz="3608" dirty="0"/>
+          </a:p>
+          <a:p>
+            <a:pPr>
+              <a:buFontTx/>
+              <a:buChar char="•"/>
+              <a:defRPr/>
+            </a:pPr>
+            <a:endParaRPr lang="en-US" altLang="ko-KR" sz="3608" dirty="0" smtClean="0"/>
+          </a:p>
+          <a:p>
+            <a:pPr>
+              <a:buFontTx/>
+              <a:buChar char="•"/>
+              <a:defRPr/>
+            </a:pPr>
+            <a:endParaRPr lang="en-US" altLang="ko-KR" sz="3608" dirty="0"/>
+          </a:p>
+          <a:p>
+            <a:pPr>
+              <a:buFontTx/>
+              <a:buChar char="•"/>
+              <a:defRPr/>
+            </a:pPr>
+            <a:endParaRPr lang="en-US" altLang="ko-KR" sz="3608" dirty="0" smtClean="0"/>
+          </a:p>
+          <a:p>
+            <a:pPr marL="0" indent="0">
+              <a:defRPr/>
+            </a:pPr>
+            <a:endParaRPr lang="en-US" altLang="ko-KR" sz="7200" dirty="0"/>
           </a:p>
         </p:txBody>
       </p:sp>
@@ -4223,7 +4340,7 @@
         <p:spPr bwMode="auto">
           <a:xfrm>
             <a:off x="276446" y="2235437"/>
-            <a:ext cx="32921575" cy="3973771"/>
+            <a:ext cx="32921575" cy="3542841"/>
           </a:xfrm>
           <a:prstGeom prst="rect">
             <a:avLst/>
@@ -4233,14 +4350,14 @@
             <a:noFill/>
           </a:ln>
           <a:extLst>
-            <a:ext uri="{909E8E84-426E-40DD-AFC4-6F175D3DCCD1}">
+            <a:ext uri="{909E8E84-426E-40dd-AFC4-6F175D3DCCD1}">
               <a14:hiddenFill xmlns:a14="http://schemas.microsoft.com/office/drawing/2010/main">
                 <a:solidFill>
                   <a:srgbClr val="FFFFFF"/>
                 </a:solidFill>
               </a14:hiddenFill>
             </a:ext>
-            <a:ext uri="{91240B29-F687-4F45-9708-019B960494DF}">
+            <a:ext uri="{91240B29-F687-4f45-9708-019B960494DF}">
               <a14:hiddenLine xmlns:a14="http://schemas.microsoft.com/office/drawing/2010/main" w="9525">
                 <a:solidFill>
                   <a:srgbClr val="000000"/>
@@ -4926,11 +5043,16 @@
                   <a:srgbClr val="000000"/>
                 </a:solidFill>
               </a:rPr>
-              <a:t>University of North Carolina at Chapel Hill, NC 27599, USA</a:t>
-            </a:r>
-          </a:p>
-          <a:p>
-            <a:pPr algn="ctr"/>
+              <a:t>University of North Carolina at Chapel Hill, NC 27599, </a:t>
+            </a:r>
+            <a:r>
+              <a:rPr lang="en-GB" altLang="ko-KR" sz="2800" dirty="0" smtClean="0">
+                <a:solidFill>
+                  <a:srgbClr val="000000"/>
+                </a:solidFill>
+              </a:rPr>
+              <a:t>USA</a:t>
+            </a:r>
             <a:endParaRPr lang="en-GB" altLang="ko-KR" sz="2800" dirty="0">
               <a:solidFill>
                 <a:srgbClr val="000000"/>
@@ -4968,14 +5090,14 @@
             <a:noFill/>
           </a:ln>
           <a:extLst>
-            <a:ext uri="{909E8E84-426E-40DD-AFC4-6F175D3DCCD1}">
+            <a:ext uri="{909E8E84-426E-40dd-AFC4-6F175D3DCCD1}">
               <a14:hiddenFill xmlns:a14="http://schemas.microsoft.com/office/drawing/2010/main">
                 <a:solidFill>
                   <a:srgbClr val="FFFFFF"/>
                 </a:solidFill>
               </a14:hiddenFill>
             </a:ext>
-            <a:ext uri="{91240B29-F687-4F45-9708-019B960494DF}">
+            <a:ext uri="{91240B29-F687-4f45-9708-019B960494DF}">
               <a14:hiddenLine xmlns:a14="http://schemas.microsoft.com/office/drawing/2010/main" w="9525">
                 <a:solidFill>
                   <a:srgbClr val="000000"/>
@@ -5152,8 +5274,8 @@
         </p:nvSpPr>
         <p:spPr bwMode="auto">
           <a:xfrm>
-            <a:off x="1253517" y="23251352"/>
-            <a:ext cx="14574087" cy="2480281"/>
+            <a:off x="1253517" y="29346911"/>
+            <a:ext cx="14574087" cy="5256476"/>
           </a:xfrm>
           <a:prstGeom prst="rect">
             <a:avLst/>
@@ -5195,9 +5317,40 @@
               <a:defRPr/>
             </a:pPr>
             <a:r>
+              <a:rPr lang="en-US" altLang="ko-KR" sz="3608" b="1" dirty="0" smtClean="0"/>
+              <a:t>1D Convolutional Neural Network</a:t>
+            </a:r>
+            <a:endParaRPr lang="en-US" altLang="ko-KR" sz="3608" b="1" dirty="0"/>
+          </a:p>
+          <a:p>
+            <a:pPr>
+              <a:defRPr/>
+            </a:pPr>
+            <a:r>
               <a:rPr lang="en-US" altLang="ko-KR" sz="3608" dirty="0"/>
-              <a:t>Point one </a:t>
-            </a:r>
+              <a:t>	</a:t>
+            </a:r>
+            <a:r>
+              <a:rPr lang="en-US" altLang="ko-KR" sz="3608" dirty="0" smtClean="0"/>
+              <a:t>Used a 1D waveform to predict </a:t>
+            </a:r>
+            <a:r>
+              <a:rPr lang="en-US" altLang="ko-KR" sz="3608" dirty="0" err="1" smtClean="0"/>
+              <a:t>tala</a:t>
+            </a:r>
+            <a:r>
+              <a:rPr lang="en-US" altLang="ko-KR" sz="3608" smtClean="0"/>
+              <a:t>.</a:t>
+            </a:r>
+            <a:endParaRPr lang="en-US" altLang="ko-KR" sz="3608" dirty="0" smtClean="0"/>
+          </a:p>
+          <a:p>
+            <a:pPr marL="571500" indent="-571500">
+              <a:buFont typeface="Wingdings" charset="2"/>
+              <a:buChar char="§"/>
+              <a:defRPr/>
+            </a:pPr>
+            <a:endParaRPr lang="en-US" altLang="ko-KR" sz="3608" dirty="0"/>
           </a:p>
           <a:p>
             <a:pPr>
@@ -5206,9 +5359,39 @@
               <a:defRPr/>
             </a:pPr>
             <a:r>
-              <a:rPr lang="en-US" altLang="ko-KR" sz="3608" dirty="0"/>
-              <a:t>Point two</a:t>
-            </a:r>
+              <a:rPr lang="en-US" altLang="ko-KR" sz="3608" b="1" dirty="0" smtClean="0"/>
+              <a:t>2D Convolutional Neural Network</a:t>
+            </a:r>
+          </a:p>
+          <a:p>
+            <a:pPr>
+              <a:defRPr/>
+            </a:pPr>
+            <a:r>
+              <a:rPr lang="en-US" altLang="ko-KR" sz="3608" b="1" dirty="0"/>
+              <a:t>	</a:t>
+            </a:r>
+            <a:r>
+              <a:rPr lang="en-US" altLang="ko-KR" sz="3608" dirty="0" smtClean="0"/>
+              <a:t>Created a spectrogram of frequency </a:t>
+            </a:r>
+            <a:r>
+              <a:rPr lang="en-US" altLang="ko-KR" sz="3608" dirty="0" err="1" smtClean="0"/>
+              <a:t>vs</a:t>
+            </a:r>
+            <a:r>
+              <a:rPr lang="en-US" altLang="ko-KR" sz="3608" dirty="0" smtClean="0"/>
+              <a:t> time. Then used image analysis to see if </a:t>
+            </a:r>
+            <a:r>
+              <a:rPr lang="en-US" altLang="ko-KR" sz="3608" dirty="0" err="1" smtClean="0"/>
+              <a:t>tala</a:t>
+            </a:r>
+            <a:r>
+              <a:rPr lang="en-US" altLang="ko-KR" sz="3608" dirty="0" smtClean="0"/>
+              <a:t> could be predicted from the image.</a:t>
+            </a:r>
+            <a:endParaRPr lang="en-US" altLang="ko-KR" sz="3608" b="1" dirty="0" smtClean="0"/>
           </a:p>
           <a:p>
             <a:pPr>
@@ -5217,9 +5400,16 @@
               <a:defRPr/>
             </a:pPr>
             <a:r>
-              <a:rPr lang="en-US" altLang="ko-KR" sz="3608" dirty="0"/>
-              <a:t>…..</a:t>
-            </a:r>
+              <a:rPr lang="en-US" altLang="ko-KR" sz="3608" b="1" dirty="0" smtClean="0"/>
+              <a:t>Recurrent Neural Network</a:t>
+            </a:r>
+            <a:endParaRPr lang="en-US" altLang="ko-KR" sz="3608" b="1" dirty="0"/>
+          </a:p>
+          <a:p>
+            <a:pPr>
+              <a:defRPr/>
+            </a:pPr>
+            <a:endParaRPr lang="en-US" altLang="ko-KR" sz="3608" dirty="0"/>
           </a:p>
         </p:txBody>
       </p:sp>
@@ -5244,14 +5434,14 @@
             <a:noFill/>
           </a:ln>
           <a:extLst>
-            <a:ext uri="{909E8E84-426E-40DD-AFC4-6F175D3DCCD1}">
+            <a:ext uri="{909E8E84-426E-40dd-AFC4-6F175D3DCCD1}">
               <a14:hiddenFill xmlns:a14="http://schemas.microsoft.com/office/drawing/2010/main">
                 <a:solidFill>
                   <a:srgbClr val="FFFFFF"/>
                 </a:solidFill>
               </a14:hiddenFill>
             </a:ext>
-            <a:ext uri="{91240B29-F687-4F45-9708-019B960494DF}">
+            <a:ext uri="{91240B29-F687-4f45-9708-019B960494DF}">
               <a14:hiddenLine xmlns:a14="http://schemas.microsoft.com/office/drawing/2010/main" w="9525">
                 <a:solidFill>
                   <a:srgbClr val="000000"/>
@@ -5758,7 +5948,7 @@
         </p:nvSpPr>
         <p:spPr bwMode="auto">
           <a:xfrm>
-            <a:off x="17089170" y="37468975"/>
+            <a:off x="16708206" y="31055939"/>
             <a:ext cx="14572989" cy="2476627"/>
           </a:xfrm>
           <a:prstGeom prst="rect">
@@ -5769,14 +5959,14 @@
             <a:noFill/>
           </a:ln>
           <a:extLst>
-            <a:ext uri="{909E8E84-426E-40DD-AFC4-6F175D3DCCD1}">
+            <a:ext uri="{909E8E84-426E-40dd-AFC4-6F175D3DCCD1}">
               <a14:hiddenFill xmlns:a14="http://schemas.microsoft.com/office/drawing/2010/main">
                 <a:solidFill>
                   <a:srgbClr val="FFFFFF"/>
                 </a:solidFill>
               </a14:hiddenFill>
             </a:ext>
-            <a:ext uri="{91240B29-F687-4F45-9708-019B960494DF}">
+            <a:ext uri="{91240B29-F687-4f45-9708-019B960494DF}">
               <a14:hiddenLine xmlns:a14="http://schemas.microsoft.com/office/drawing/2010/main" w="9525">
                 <a:solidFill>
                   <a:srgbClr val="000000"/>
@@ -5953,8 +6143,8 @@
         </p:nvSpPr>
         <p:spPr bwMode="auto">
           <a:xfrm>
-            <a:off x="1253518" y="14101998"/>
-            <a:ext cx="14574086" cy="9432377"/>
+            <a:off x="682073" y="18927649"/>
+            <a:ext cx="14574086" cy="7944905"/>
           </a:xfrm>
           <a:prstGeom prst="rect">
             <a:avLst/>
@@ -5964,14 +6154,14 @@
             <a:noFill/>
           </a:ln>
           <a:extLst>
-            <a:ext uri="{909E8E84-426E-40DD-AFC4-6F175D3DCCD1}">
+            <a:ext uri="{909E8E84-426E-40dd-AFC4-6F175D3DCCD1}">
               <a14:hiddenFill xmlns:a14="http://schemas.microsoft.com/office/drawing/2010/main">
                 <a:solidFill>
                   <a:srgbClr val="FFFFFF"/>
                 </a:solidFill>
               </a14:hiddenFill>
             </a:ext>
-            <a:ext uri="{91240B29-F687-4F45-9708-019B960494DF}">
+            <a:ext uri="{91240B29-F687-4f45-9708-019B960494DF}">
               <a14:hiddenLine xmlns:a14="http://schemas.microsoft.com/office/drawing/2010/main" w="9525">
                 <a:solidFill>
                   <a:srgbClr val="000000"/>
@@ -6098,8 +6288,26 @@
             <a:pPr marL="0" indent="0" algn="ctr">
               <a:defRPr/>
             </a:pPr>
-            <a:r>
-              <a:rPr lang="en-US" altLang="ko-KR" sz="4778" b="1" dirty="0"/>
+            <a:endParaRPr lang="en-US" altLang="ko-KR" sz="4778" b="1" dirty="0" smtClean="0"/>
+          </a:p>
+          <a:p>
+            <a:pPr marL="0" indent="0" algn="ctr">
+              <a:defRPr/>
+            </a:pPr>
+            <a:endParaRPr lang="en-US" altLang="ko-KR" sz="4778" b="1" dirty="0" smtClean="0"/>
+          </a:p>
+          <a:p>
+            <a:pPr marL="0" indent="0" algn="ctr">
+              <a:defRPr/>
+            </a:pPr>
+            <a:endParaRPr lang="en-US" altLang="ko-KR" sz="4778" b="1" dirty="0"/>
+          </a:p>
+          <a:p>
+            <a:pPr marL="0" indent="0" algn="ctr">
+              <a:defRPr/>
+            </a:pPr>
+            <a:r>
+              <a:rPr lang="en-US" altLang="ko-KR" sz="4778" b="1" dirty="0" smtClean="0"/>
               <a:t>Introduction</a:t>
             </a:r>
             <a:endParaRPr lang="en-US" altLang="ko-KR" sz="4778" dirty="0"/>
@@ -6128,33 +6336,12 @@
             </a:r>
             <a:r>
               <a:rPr lang="en-US" altLang="ko-KR" sz="4000" dirty="0"/>
-              <a:t>, or rhythm. In this report, we investigate how we can classify the </a:t>
-            </a:r>
-            <a:r>
-              <a:rPr lang="en-US" altLang="ko-KR" sz="4000" dirty="0" err="1"/>
-              <a:t>laya</a:t>
-            </a:r>
-            <a:r>
-              <a:rPr lang="en-US" altLang="ko-KR" sz="4000" dirty="0"/>
-              <a:t> aspect, from audio samples of Carnatic Music. Specifically, we seek to identify the </a:t>
-            </a:r>
-            <a:r>
-              <a:rPr lang="en-US" altLang="ko-KR" sz="4000" b="1" dirty="0" err="1"/>
-              <a:t>tala</a:t>
-            </a:r>
-            <a:r>
-              <a:rPr lang="en-US" altLang="ko-KR" sz="4000" dirty="0"/>
-              <a:t>, or meter of the sample. This could potentially help discern the </a:t>
-            </a:r>
-            <a:r>
-              <a:rPr lang="en-US" altLang="ko-KR" sz="4000" dirty="0" err="1"/>
-              <a:t>tala</a:t>
-            </a:r>
-            <a:r>
-              <a:rPr lang="en-US" altLang="ko-KR" sz="4000" dirty="0"/>
-              <a:t> of a song for students of Carnatic Music, as Carnatic Music teachers are becoming harder and harder to find. </a:t>
-            </a:r>
-            <a:endParaRPr lang="en-US" altLang="ko-KR" sz="4000" dirty="0" smtClean="0"/>
+              <a:t>, or </a:t>
+            </a:r>
+            <a:r>
+              <a:rPr lang="en-US" altLang="ko-KR" sz="4000" dirty="0" smtClean="0"/>
+              <a:t>rhythm</a:t>
+            </a:r>
           </a:p>
           <a:p>
             <a:pPr>
@@ -6162,6 +6349,38 @@
               <a:buChar char="•"/>
               <a:defRPr/>
             </a:pPr>
+            <a:r>
+              <a:rPr lang="en-US" altLang="ko-KR" sz="4000" dirty="0" smtClean="0"/>
+              <a:t>. We </a:t>
+            </a:r>
+            <a:r>
+              <a:rPr lang="en-US" altLang="ko-KR" sz="4000" dirty="0"/>
+              <a:t>investigate how we can </a:t>
+            </a:r>
+            <a:r>
+              <a:rPr lang="en-US" altLang="ko-KR" sz="4000" dirty="0" smtClean="0"/>
+              <a:t>use </a:t>
+            </a:r>
+            <a:r>
+              <a:rPr lang="en-US" altLang="ko-KR" sz="4000" dirty="0"/>
+              <a:t>the Carnatic Music dataset from the University of </a:t>
+            </a:r>
+            <a:r>
+              <a:rPr lang="en-US" altLang="ko-KR" sz="4000" dirty="0" err="1"/>
+              <a:t>Pompeau</a:t>
+            </a:r>
+            <a:r>
+              <a:rPr lang="en-US" altLang="ko-KR" sz="4000" dirty="0"/>
+              <a:t> </a:t>
+            </a:r>
+            <a:r>
+              <a:rPr lang="en-US" altLang="ko-KR" sz="4000" dirty="0" err="1"/>
+              <a:t>Fabra</a:t>
+            </a:r>
+            <a:r>
+              <a:rPr lang="en-US" altLang="ko-KR" sz="4000" dirty="0"/>
+              <a:t>. </a:t>
+            </a:r>
             <a:endParaRPr lang="en-US" altLang="ko-KR" sz="4000" dirty="0" smtClean="0"/>
           </a:p>
           <a:p>
@@ -6171,24 +6390,12 @@
               <a:defRPr/>
             </a:pPr>
             <a:r>
+              <a:rPr lang="en-US" altLang="ko-KR" sz="4000" dirty="0" smtClean="0"/>
+              <a:t>We </a:t>
+            </a:r>
+            <a:r>
               <a:rPr lang="en-US" altLang="ko-KR" sz="4000" dirty="0"/>
-              <a:t>We use the Carnatic Music dataset from the University of </a:t>
-            </a:r>
-            <a:r>
-              <a:rPr lang="en-US" altLang="ko-KR" sz="4000" dirty="0" err="1"/>
-              <a:t>Pompeau</a:t>
-            </a:r>
-            <a:r>
-              <a:rPr lang="en-US" altLang="ko-KR" sz="4000" dirty="0"/>
-              <a:t> </a:t>
-            </a:r>
-            <a:r>
-              <a:rPr lang="en-US" altLang="ko-KR" sz="4000" dirty="0" err="1"/>
-              <a:t>Fabra</a:t>
-            </a:r>
-            <a:r>
-              <a:rPr lang="en-US" altLang="ko-KR" sz="4000" dirty="0"/>
-              <a:t>. We propose the usage of various networks including: 1D CNN, 2D CNN, RNN with Long Short term memory cells, and the </a:t>
+              <a:t>propose the usage of various networks including: 1D CNN, 2D CNN, RNN with Long Short term memory cells, and the </a:t>
             </a:r>
             <a:r>
               <a:rPr lang="en-US" altLang="ko-KR" sz="4000" dirty="0" err="1"/>
@@ -6214,7 +6421,7 @@
           <p:cNvPr id="1330" name="Picture 306" descr="Image result for unc chapel hill logo">
             <a:extLst>
               <a:ext uri="{FF2B5EF4-FFF2-40B4-BE49-F238E27FC236}">
-                <a16:creationId xmlns:a16="http://schemas.microsoft.com/office/drawing/2014/main" id="{8E613598-6EF1-4E7E-A511-B76D8D58B743}"/>
+                <a16:creationId xmlns:a16="http://schemas.microsoft.com/office/drawing/2014/main" xmlns="" id="{8E613598-6EF1-4E7E-A511-B76D8D58B743}"/>
               </a:ext>
             </a:extLst>
           </p:cNvPr>
@@ -6246,7 +6453,7 @@
           </a:prstGeom>
           <a:noFill/>
           <a:extLst>
-            <a:ext uri="{909E8E84-426E-40DD-AFC4-6F175D3DCCD1}">
+            <a:ext uri="{909E8E84-426E-40dd-AFC4-6F175D3DCCD1}">
               <a14:hiddenFill xmlns:a14="http://schemas.microsoft.com/office/drawing/2010/main">
                 <a:solidFill>
                   <a:srgbClr val="FFFFFF"/>
@@ -6261,7 +6468,7 @@
           <p:cNvPr id="38" name="Text Box 238">
             <a:extLst>
               <a:ext uri="{FF2B5EF4-FFF2-40B4-BE49-F238E27FC236}">
-                <a16:creationId xmlns:a16="http://schemas.microsoft.com/office/drawing/2014/main" id="{40D7C87D-2381-47B7-BFA4-47C5ED2575FD}"/>
+                <a16:creationId xmlns:a16="http://schemas.microsoft.com/office/drawing/2014/main" xmlns="" id="{40D7C87D-2381-47B7-BFA4-47C5ED2575FD}"/>
               </a:ext>
             </a:extLst>
           </p:cNvPr>
@@ -6283,14 +6490,14 @@
             <a:noFill/>
           </a:ln>
           <a:extLst>
-            <a:ext uri="{909E8E84-426E-40DD-AFC4-6F175D3DCCD1}">
+            <a:ext uri="{909E8E84-426E-40dd-AFC4-6F175D3DCCD1}">
               <a14:hiddenFill xmlns:a14="http://schemas.microsoft.com/office/drawing/2010/main">
                 <a:solidFill>
                   <a:srgbClr val="FFFFFF"/>
                 </a:solidFill>
               </a14:hiddenFill>
             </a:ext>
-            <a:ext uri="{91240B29-F687-4F45-9708-019B960494DF}">
+            <a:ext uri="{91240B29-F687-4f45-9708-019B960494DF}">
               <a14:hiddenLine xmlns:a14="http://schemas.microsoft.com/office/drawing/2010/main" w="9525">
                 <a:solidFill>
                   <a:srgbClr val="000000"/>
@@ -6462,7 +6669,7 @@
           <p:cNvPr id="13" name="Group 12">
             <a:extLst>
               <a:ext uri="{FF2B5EF4-FFF2-40B4-BE49-F238E27FC236}">
-                <a16:creationId xmlns:a16="http://schemas.microsoft.com/office/drawing/2014/main" id="{2E25288D-2A52-477E-B226-65442A27ABE4}"/>
+                <a16:creationId xmlns:a16="http://schemas.microsoft.com/office/drawing/2014/main" xmlns="" id="{2E25288D-2A52-477E-B226-65442A27ABE4}"/>
               </a:ext>
             </a:extLst>
           </p:cNvPr>
@@ -6482,7 +6689,7 @@
             <p:cNvPr id="6" name="Group 5">
               <a:extLst>
                 <a:ext uri="{FF2B5EF4-FFF2-40B4-BE49-F238E27FC236}">
-                  <a16:creationId xmlns:a16="http://schemas.microsoft.com/office/drawing/2014/main" id="{D3ACC00A-9C8C-48BB-94A0-504088EC578D}"/>
+                  <a16:creationId xmlns:a16="http://schemas.microsoft.com/office/drawing/2014/main" xmlns="" id="{D3ACC00A-9C8C-48BB-94A0-504088EC578D}"/>
                 </a:ext>
               </a:extLst>
             </p:cNvPr>
@@ -6502,7 +6709,7 @@
               <p:cNvPr id="1328" name="Picture 304" descr="Image result for computer science unc dept">
                 <a:extLst>
                   <a:ext uri="{FF2B5EF4-FFF2-40B4-BE49-F238E27FC236}">
-                    <a16:creationId xmlns:a16="http://schemas.microsoft.com/office/drawing/2014/main" id="{5C43494C-DAE9-4426-AE3A-3AD46F438089}"/>
+                    <a16:creationId xmlns:a16="http://schemas.microsoft.com/office/drawing/2014/main" xmlns="" id="{5C43494C-DAE9-4426-AE3A-3AD46F438089}"/>
                   </a:ext>
                 </a:extLst>
               </p:cNvPr>
@@ -6532,7 +6739,7 @@
               </a:prstGeom>
               <a:noFill/>
               <a:extLst>
-                <a:ext uri="{909E8E84-426E-40DD-AFC4-6F175D3DCCD1}">
+                <a:ext uri="{909E8E84-426E-40dd-AFC4-6F175D3DCCD1}">
                   <a14:hiddenFill xmlns:a14="http://schemas.microsoft.com/office/drawing/2010/main">
                     <a:solidFill>
                       <a:srgbClr val="FFFFFF"/>
@@ -6547,7 +6754,7 @@
               <p:cNvPr id="35" name="Picture 304" descr="Image result for computer science unc dept">
                 <a:extLst>
                   <a:ext uri="{FF2B5EF4-FFF2-40B4-BE49-F238E27FC236}">
-                    <a16:creationId xmlns:a16="http://schemas.microsoft.com/office/drawing/2014/main" id="{7E405D93-71D3-44CA-9317-71E834D77017}"/>
+                    <a16:creationId xmlns:a16="http://schemas.microsoft.com/office/drawing/2014/main" xmlns="" id="{7E405D93-71D3-44CA-9317-71E834D77017}"/>
                   </a:ext>
                 </a:extLst>
               </p:cNvPr>
@@ -6577,7 +6784,7 @@
               </a:prstGeom>
               <a:noFill/>
               <a:extLst>
-                <a:ext uri="{909E8E84-426E-40DD-AFC4-6F175D3DCCD1}">
+                <a:ext uri="{909E8E84-426E-40dd-AFC4-6F175D3DCCD1}">
                   <a14:hiddenFill xmlns:a14="http://schemas.microsoft.com/office/drawing/2010/main">
                     <a:solidFill>
                       <a:srgbClr val="FFFFFF"/>
@@ -6593,7 +6800,7 @@
             <p:cNvPr id="39" name="Picture 306" descr="Image result for unc chapel hill logo">
               <a:extLst>
                 <a:ext uri="{FF2B5EF4-FFF2-40B4-BE49-F238E27FC236}">
-                  <a16:creationId xmlns:a16="http://schemas.microsoft.com/office/drawing/2014/main" id="{836F32BC-8593-41B7-9855-977BA760EC0C}"/>
+                  <a16:creationId xmlns:a16="http://schemas.microsoft.com/office/drawing/2014/main" xmlns="" id="{836F32BC-8593-41B7-9855-977BA760EC0C}"/>
                 </a:ext>
               </a:extLst>
             </p:cNvPr>
@@ -6623,7 +6830,7 @@
             </a:prstGeom>
             <a:noFill/>
             <a:extLst>
-              <a:ext uri="{909E8E84-426E-40DD-AFC4-6F175D3DCCD1}">
+              <a:ext uri="{909E8E84-426E-40dd-AFC4-6F175D3DCCD1}">
                 <a14:hiddenFill xmlns:a14="http://schemas.microsoft.com/office/drawing/2010/main">
                   <a:solidFill>
                     <a:srgbClr val="FFFFFF"/>
@@ -6634,6 +6841,36 @@
           </p:spPr>
         </p:pic>
       </p:grpSp>
+      <p:pic>
+        <p:nvPicPr>
+          <p:cNvPr id="4" name="Picture 3" descr="carnatic.jpg"/>
+          <p:cNvPicPr>
+            <a:picLocks noChangeAspect="1"/>
+          </p:cNvPicPr>
+          <p:nvPr/>
+        </p:nvPicPr>
+        <p:blipFill>
+          <a:blip r:embed="rId4">
+            <a:extLst>
+              <a:ext uri="{28A0092B-C50C-407E-A947-70E740481C1C}">
+                <a14:useLocalDpi xmlns:a14="http://schemas.microsoft.com/office/drawing/2010/main" val="0"/>
+              </a:ext>
+            </a:extLst>
+          </a:blip>
+          <a:stretch>
+            <a:fillRect/>
+          </a:stretch>
+        </p:blipFill>
+        <p:spPr>
+          <a:xfrm>
+            <a:off x="3078652" y="13143549"/>
+            <a:ext cx="8794704" cy="4760134"/>
+          </a:xfrm>
+          <a:prstGeom prst="rect">
+            <a:avLst/>
+          </a:prstGeom>
+        </p:spPr>
+      </p:pic>
     </p:spTree>
   </p:cSld>
   <p:clrMapOvr>
